--- a/ietf116-iepg-yang-push-data-mesh-integration.pptx
+++ b/ietf116-iepg-yang-push-data-mesh-integration.pptx
@@ -6889,10 +6889,10 @@
           <a:lstStyle/>
           <a:p>
             <a:fld id="{FC4AC485-25DE-431E-B345-9C0A15BB7F8A}" type="slidenum">
-              <a:rPr lang="de-CH" sz="2200" smtClean="0"/>
+              <a:rPr lang="de-CH" sz="1400" smtClean="0"/>
               <a:t>1</a:t>
             </a:fld>
-            <a:endParaRPr lang="de-CH" sz="2200" dirty="0"/>
+            <a:endParaRPr lang="de-CH" sz="1400" dirty="0"/>
           </a:p>
         </p:txBody>
       </p:sp>
@@ -7606,40 +7606,6 @@
       </p:sp>
       <p:sp>
         <p:nvSpPr>
-          <p:cNvPr id="16" name="Slide Number Placeholder 1">
-            <a:extLst>
-              <a:ext uri="{FF2B5EF4-FFF2-40B4-BE49-F238E27FC236}">
-                <a16:creationId xmlns:a16="http://schemas.microsoft.com/office/drawing/2014/main" id="{4D0044F8-1C12-4A59-883A-7B56B9370029}"/>
-              </a:ext>
-            </a:extLst>
-          </p:cNvPr>
-          <p:cNvSpPr>
-            <a:spLocks noGrp="1"/>
-          </p:cNvSpPr>
-          <p:nvPr>
-            <p:ph type="sldNum" sz="quarter" idx="12"/>
-          </p:nvPr>
-        </p:nvSpPr>
-        <p:spPr>
-          <a:xfrm>
-            <a:off x="11607800" y="6362700"/>
-            <a:ext cx="414338" cy="365125"/>
-          </a:xfrm>
-        </p:spPr>
-        <p:txBody>
-          <a:bodyPr/>
-          <a:lstStyle/>
-          <a:p>
-            <a:fld id="{FC4AC485-25DE-431E-B345-9C0A15BB7F8A}" type="slidenum">
-              <a:rPr lang="en-US" sz="2200" smtClean="0"/>
-              <a:t>11</a:t>
-            </a:fld>
-            <a:endParaRPr lang="en-US" sz="2200"/>
-          </a:p>
-        </p:txBody>
-      </p:sp>
-      <p:sp>
-        <p:nvSpPr>
           <p:cNvPr id="11" name="TextBox 10">
             <a:extLst>
               <a:ext uri="{FF2B5EF4-FFF2-40B4-BE49-F238E27FC236}">
@@ -8206,6 +8172,40 @@
               <a:ea typeface="Calibri" panose="020F0502020204030204" pitchFamily="34" charset="0"/>
               <a:cs typeface="Times New Roman" panose="02020603050405020304" pitchFamily="18" charset="0"/>
             </a:endParaRPr>
+          </a:p>
+        </p:txBody>
+      </p:sp>
+      <p:sp>
+        <p:nvSpPr>
+          <p:cNvPr id="7" name="Slide Number Placeholder 1">
+            <a:extLst>
+              <a:ext uri="{FF2B5EF4-FFF2-40B4-BE49-F238E27FC236}">
+                <a16:creationId xmlns:a16="http://schemas.microsoft.com/office/drawing/2014/main" id="{431654D8-5CEC-4B8C-A548-2C0DECDF0A19}"/>
+              </a:ext>
+            </a:extLst>
+          </p:cNvPr>
+          <p:cNvSpPr>
+            <a:spLocks noGrp="1"/>
+          </p:cNvSpPr>
+          <p:nvPr>
+            <p:ph type="sldNum" sz="quarter" idx="12"/>
+          </p:nvPr>
+        </p:nvSpPr>
+        <p:spPr>
+          <a:xfrm>
+            <a:off x="11587892" y="6361637"/>
+            <a:ext cx="414251" cy="365125"/>
+          </a:xfrm>
+        </p:spPr>
+        <p:txBody>
+          <a:bodyPr/>
+          <a:lstStyle/>
+          <a:p>
+            <a:fld id="{FC4AC485-25DE-431E-B345-9C0A15BB7F8A}" type="slidenum">
+              <a:rPr lang="de-CH" sz="1400" smtClean="0"/>
+              <a:t>11</a:t>
+            </a:fld>
+            <a:endParaRPr lang="de-CH" sz="1400" dirty="0"/>
           </a:p>
         </p:txBody>
       </p:sp>
@@ -8253,8 +8253,8 @@
         </p:nvSpPr>
         <p:spPr>
           <a:xfrm>
-            <a:off x="838200" y="1750185"/>
-            <a:ext cx="4656513" cy="830868"/>
+            <a:off x="838200" y="1544102"/>
+            <a:ext cx="4656513" cy="979051"/>
           </a:xfrm>
           <a:prstGeom prst="rect">
             <a:avLst/>
@@ -8412,6 +8412,49 @@
                 <a:cs typeface="Courier New" panose="02070309020205020404" pitchFamily="49" charset="0"/>
               </a:rPr>
               <a:t>inet:host</a:t>
+            </a:r>
+            <a:endParaRPr lang="en-US" sz="900" dirty="0">
+              <a:effectLst/>
+              <a:latin typeface="Courier New" panose="02070309020205020404" pitchFamily="49" charset="0"/>
+              <a:ea typeface="Calibri" panose="020F0502020204030204" pitchFamily="34" charset="0"/>
+              <a:cs typeface="Courier New" panose="02070309020205020404" pitchFamily="49" charset="0"/>
+            </a:endParaRPr>
+          </a:p>
+          <a:p>
+            <a:pPr marL="0" marR="0">
+              <a:lnSpc>
+                <a:spcPct val="107000"/>
+              </a:lnSpc>
+              <a:spcBef>
+                <a:spcPts val="0"/>
+              </a:spcBef>
+              <a:spcAft>
+                <a:spcPts val="0"/>
+              </a:spcAft>
+            </a:pPr>
+            <a:r>
+              <a:rPr lang="en-US" sz="900" dirty="0">
+                <a:latin typeface="Courier New" panose="02070309020205020404" pitchFamily="49" charset="0"/>
+                <a:ea typeface="Calibri" panose="020F0502020204030204" pitchFamily="34" charset="0"/>
+                <a:cs typeface="Courier New" panose="02070309020205020404" pitchFamily="49" charset="0"/>
+              </a:rPr>
+              <a:t>    +-- </a:t>
+            </a:r>
+            <a:r>
+              <a:rPr lang="en-US" sz="900" dirty="0" err="1">
+                <a:latin typeface="Courier New" panose="02070309020205020404" pitchFamily="49" charset="0"/>
+                <a:ea typeface="Calibri" panose="020F0502020204030204" pitchFamily="34" charset="0"/>
+                <a:cs typeface="Courier New" panose="02070309020205020404" pitchFamily="49" charset="0"/>
+              </a:rPr>
+              <a:t>publisherId</a:t>
+            </a:r>
+            <a:r>
+              <a:rPr lang="en-US" sz="900" dirty="0">
+                <a:latin typeface="Courier New" panose="02070309020205020404" pitchFamily="49" charset="0"/>
+                <a:ea typeface="Calibri" panose="020F0502020204030204" pitchFamily="34" charset="0"/>
+                <a:cs typeface="Courier New" panose="02070309020205020404" pitchFamily="49" charset="0"/>
+              </a:rPr>
+              <a:t>       yang:gauge32</a:t>
             </a:r>
             <a:endParaRPr lang="en-US" sz="900" dirty="0">
               <a:effectLst/>
@@ -8542,8 +8585,8 @@
         </p:nvSpPr>
         <p:spPr>
           <a:xfrm>
-            <a:off x="5494713" y="1820487"/>
-            <a:ext cx="6190013" cy="4547064"/>
+            <a:off x="5494713" y="1544102"/>
+            <a:ext cx="6190013" cy="4823449"/>
           </a:xfrm>
         </p:spPr>
         <p:txBody>
@@ -8553,29 +8596,29 @@
           <a:lstStyle/>
           <a:p>
             <a:r>
-              <a:rPr lang="en-US" sz="1800" dirty="0"/>
+              <a:rPr lang="en-US" sz="1700" dirty="0"/>
               <a:t>When the </a:t>
             </a:r>
             <a:r>
-              <a:rPr lang="en-US" sz="1800" b="1" dirty="0"/>
+              <a:rPr lang="en-US" sz="1700" b="1" dirty="0"/>
               <a:t>NETCONF event notification message is forwarded from the YANG push receiver to another system</a:t>
             </a:r>
             <a:r>
-              <a:rPr lang="en-US" sz="1800" dirty="0"/>
+              <a:rPr lang="en-US" sz="1700" dirty="0"/>
               <a:t>, such as a messaging system or a time series database where the message is stored, the </a:t>
             </a:r>
             <a:r>
-              <a:rPr lang="en-US" sz="1800" b="1" dirty="0"/>
+              <a:rPr lang="en-US" sz="1700" b="1" dirty="0"/>
               <a:t>transport context is lost since it is not part of the NETCONF event notification message metadata. </a:t>
             </a:r>
             <a:r>
-              <a:rPr lang="en-US" sz="1800" dirty="0"/>
+              <a:rPr lang="en-US" sz="1700" dirty="0"/>
               <a:t>Therefore, the downstream system is unable to associate the message to the publishing process (the exporting router), nor able to detect message loss or reordering. </a:t>
             </a:r>
           </a:p>
           <a:p>
             <a:r>
-              <a:rPr lang="en-US" sz="1800" b="1" dirty="0">
+              <a:rPr lang="en-US" sz="1700" b="1" dirty="0">
                 <a:solidFill>
                   <a:srgbClr val="FF0000"/>
                 </a:solidFill>
@@ -8583,7 +8626,7 @@
               <a:t>draft-</a:t>
             </a:r>
             <a:r>
-              <a:rPr lang="en-US" sz="1800" b="1" dirty="0" err="1">
+              <a:rPr lang="en-US" sz="1700" b="1" dirty="0" err="1">
                 <a:solidFill>
                   <a:srgbClr val="FF0000"/>
                 </a:solidFill>
@@ -8591,7 +8634,7 @@
               <a:t>tgraf</a:t>
             </a:r>
             <a:r>
-              <a:rPr lang="en-US" sz="1800" b="1" dirty="0">
+              <a:rPr lang="en-US" sz="1700" b="1" dirty="0">
                 <a:solidFill>
                   <a:srgbClr val="FF0000"/>
                 </a:solidFill>
@@ -8599,7 +8642,7 @@
               <a:t>-netconf-</a:t>
             </a:r>
             <a:r>
-              <a:rPr lang="en-US" sz="1800" b="1" dirty="0" err="1">
+              <a:rPr lang="en-US" sz="1700" b="1" dirty="0" err="1">
                 <a:solidFill>
                   <a:srgbClr val="FF0000"/>
                 </a:solidFill>
@@ -8607,7 +8650,7 @@
               <a:t>notif</a:t>
             </a:r>
             <a:r>
-              <a:rPr lang="en-US" sz="1800" b="1" dirty="0">
+              <a:rPr lang="en-US" sz="1700" b="1" dirty="0">
                 <a:solidFill>
                   <a:srgbClr val="FF0000"/>
                 </a:solidFill>
@@ -8615,90 +8658,82 @@
               <a:t>-sequencing</a:t>
             </a:r>
             <a:r>
-              <a:rPr lang="en-US" sz="1800" dirty="0"/>
+              <a:rPr lang="en-US" sz="1700" dirty="0"/>
               <a:t> extends the NETCONF notification defined in </a:t>
             </a:r>
             <a:r>
-              <a:rPr lang="de-CH" sz="1800" dirty="0"/>
+              <a:rPr lang="de-CH" sz="1700" dirty="0"/>
               <a:t>RFC5277</a:t>
             </a:r>
             <a:r>
-              <a:rPr lang="en-US" sz="1800" dirty="0"/>
+              <a:rPr lang="en-US" sz="1700" dirty="0"/>
               <a:t> with:</a:t>
             </a:r>
           </a:p>
           <a:p>
             <a:pPr lvl="1"/>
             <a:r>
-              <a:rPr lang="en-US" sz="1800" b="1" dirty="0" err="1"/>
+              <a:rPr lang="en-US" sz="1700" b="1" dirty="0" err="1"/>
               <a:t>sysName</a:t>
             </a:r>
             <a:r>
-              <a:rPr lang="en-US" sz="1800" b="1" dirty="0"/>
+              <a:rPr lang="en-US" sz="1700" b="1" dirty="0"/>
               <a:t>:  </a:t>
             </a:r>
             <a:r>
-              <a:rPr lang="en-US" sz="1800" dirty="0"/>
+              <a:rPr lang="en-US" sz="1700" dirty="0"/>
               <a:t>Describes the hostname following the '</a:t>
             </a:r>
             <a:r>
-              <a:rPr lang="en-US" sz="1800" dirty="0" err="1"/>
+              <a:rPr lang="en-US" sz="1700" dirty="0" err="1"/>
               <a:t>sysName</a:t>
             </a:r>
             <a:r>
-              <a:rPr lang="en-US" sz="1800" dirty="0"/>
+              <a:rPr lang="en-US" sz="1700" dirty="0"/>
               <a:t>' object definition in RFC1213 from where the message was published from.</a:t>
             </a:r>
           </a:p>
           <a:p>
             <a:pPr lvl="1"/>
             <a:r>
-              <a:rPr lang="en-US" sz="1800" b="1" dirty="0" err="1"/>
+              <a:rPr lang="en-US" sz="1700" b="1" dirty="0" err="1"/>
+              <a:t>publisherId</a:t>
+            </a:r>
+            <a:r>
+              <a:rPr lang="en-US" sz="1700" b="1" dirty="0"/>
+              <a:t>:  </a:t>
+            </a:r>
+            <a:r>
+              <a:rPr lang="en-US" sz="1700" dirty="0" err="1"/>
+              <a:t>netconf</a:t>
+            </a:r>
+            <a:r>
+              <a:rPr lang="en-US" sz="1700" dirty="0"/>
+              <a:t>-distributed-</a:t>
+            </a:r>
+            <a:r>
+              <a:rPr lang="en-US" sz="1700" dirty="0" err="1"/>
+              <a:t>notif</a:t>
+            </a:r>
+            <a:r>
+              <a:rPr lang="en-US" sz="1700" dirty="0"/>
+              <a:t> describes the      ability to publish from network processors directly.  With this identifier the publishing process from where the message was published from can be uniquely identified.</a:t>
+            </a:r>
+          </a:p>
+          <a:p>
+            <a:pPr lvl="1"/>
+            <a:r>
+              <a:rPr lang="en-US" sz="1700" b="1" dirty="0" err="1"/>
               <a:t>sequenceNumber</a:t>
             </a:r>
             <a:r>
-              <a:rPr lang="en-US" sz="1800" b="1" dirty="0"/>
+              <a:rPr lang="en-US" sz="1700" b="1" dirty="0"/>
               <a:t>:  </a:t>
             </a:r>
             <a:r>
-              <a:rPr lang="en-US" sz="1800" dirty="0"/>
+              <a:rPr lang="en-US" sz="1700" dirty="0"/>
               <a:t>Generates a unique sequence number as described in RFC9187 for each published message.</a:t>
             </a:r>
-            <a:endParaRPr lang="en-US" sz="2000" dirty="0"/>
-          </a:p>
-        </p:txBody>
-      </p:sp>
-      <p:sp>
-        <p:nvSpPr>
-          <p:cNvPr id="16" name="Slide Number Placeholder 1">
-            <a:extLst>
-              <a:ext uri="{FF2B5EF4-FFF2-40B4-BE49-F238E27FC236}">
-                <a16:creationId xmlns:a16="http://schemas.microsoft.com/office/drawing/2014/main" id="{4D0044F8-1C12-4A59-883A-7B56B9370029}"/>
-              </a:ext>
-            </a:extLst>
-          </p:cNvPr>
-          <p:cNvSpPr>
-            <a:spLocks noGrp="1"/>
-          </p:cNvSpPr>
-          <p:nvPr>
-            <p:ph type="sldNum" sz="quarter" idx="12"/>
-          </p:nvPr>
-        </p:nvSpPr>
-        <p:spPr>
-          <a:xfrm>
-            <a:off x="11607800" y="6362700"/>
-            <a:ext cx="414338" cy="365125"/>
-          </a:xfrm>
-        </p:spPr>
-        <p:txBody>
-          <a:bodyPr/>
-          <a:lstStyle/>
-          <a:p>
-            <a:fld id="{FC4AC485-25DE-431E-B345-9C0A15BB7F8A}" type="slidenum">
-              <a:rPr lang="en-US" sz="2200" smtClean="0"/>
-              <a:t>12</a:t>
-            </a:fld>
-            <a:endParaRPr lang="en-US" sz="2200"/>
           </a:p>
         </p:txBody>
       </p:sp>
@@ -8716,8 +8751,8 @@
         </p:nvSpPr>
         <p:spPr>
           <a:xfrm>
-            <a:off x="838199" y="2846556"/>
-            <a:ext cx="4656513" cy="3646319"/>
+            <a:off x="838199" y="2618954"/>
+            <a:ext cx="4656513" cy="4239046"/>
           </a:xfrm>
           <a:prstGeom prst="rect">
             <a:avLst/>
@@ -9056,6 +9091,177 @@
                 <a:ea typeface="Calibri" panose="020F0502020204030204" pitchFamily="34" charset="0"/>
                 <a:cs typeface="Times New Roman" panose="02020603050405020304" pitchFamily="18" charset="0"/>
               </a:rPr>
+              <a:t>publisherId</a:t>
+            </a:r>
+            <a:r>
+              <a:rPr lang="fr-CH" sz="900" dirty="0">
+                <a:effectLst/>
+                <a:highlight>
+                  <a:srgbClr val="FFFF00"/>
+                </a:highlight>
+                <a:latin typeface="Courier New" panose="02070309020205020404" pitchFamily="49" charset="0"/>
+                <a:ea typeface="Calibri" panose="020F0502020204030204" pitchFamily="34" charset="0"/>
+                <a:cs typeface="Times New Roman" panose="02020603050405020304" pitchFamily="18" charset="0"/>
+              </a:rPr>
+              <a:t> </a:t>
+            </a:r>
+            <a:r>
+              <a:rPr lang="fr-CH" sz="900" dirty="0" err="1">
+                <a:effectLst/>
+                <a:highlight>
+                  <a:srgbClr val="FFFF00"/>
+                </a:highlight>
+                <a:latin typeface="Courier New" panose="02070309020205020404" pitchFamily="49" charset="0"/>
+                <a:ea typeface="Calibri" panose="020F0502020204030204" pitchFamily="34" charset="0"/>
+                <a:cs typeface="Times New Roman" panose="02020603050405020304" pitchFamily="18" charset="0"/>
+              </a:rPr>
+              <a:t>xmlns</a:t>
+            </a:r>
+            <a:r>
+              <a:rPr lang="fr-CH" sz="900" dirty="0">
+                <a:effectLst/>
+                <a:highlight>
+                  <a:srgbClr val="FFFF00"/>
+                </a:highlight>
+                <a:latin typeface="Courier New" panose="02070309020205020404" pitchFamily="49" charset="0"/>
+                <a:ea typeface="Calibri" panose="020F0502020204030204" pitchFamily="34" charset="0"/>
+                <a:cs typeface="Times New Roman" panose="02020603050405020304" pitchFamily="18" charset="0"/>
+              </a:rPr>
+              <a:t>="</a:t>
+            </a:r>
+            <a:r>
+              <a:rPr lang="fr-CH" sz="900" dirty="0" err="1">
+                <a:effectLst/>
+                <a:highlight>
+                  <a:srgbClr val="FFFF00"/>
+                </a:highlight>
+                <a:latin typeface="Courier New" panose="02070309020205020404" pitchFamily="49" charset="0"/>
+                <a:ea typeface="Calibri" panose="020F0502020204030204" pitchFamily="34" charset="0"/>
+                <a:cs typeface="Times New Roman" panose="02020603050405020304" pitchFamily="18" charset="0"/>
+              </a:rPr>
+              <a:t>urn:ietf:params:xml:ns:yang:ietf-notification-sequencing</a:t>
+            </a:r>
+            <a:r>
+              <a:rPr lang="fr-CH" sz="900" dirty="0">
+                <a:effectLst/>
+                <a:highlight>
+                  <a:srgbClr val="FFFF00"/>
+                </a:highlight>
+                <a:latin typeface="Courier New" panose="02070309020205020404" pitchFamily="49" charset="0"/>
+                <a:ea typeface="Calibri" panose="020F0502020204030204" pitchFamily="34" charset="0"/>
+                <a:cs typeface="Times New Roman" panose="02020603050405020304" pitchFamily="18" charset="0"/>
+              </a:rPr>
+              <a:t>"&gt;</a:t>
+            </a:r>
+          </a:p>
+          <a:p>
+            <a:pPr marL="0" marR="0">
+              <a:lnSpc>
+                <a:spcPct val="107000"/>
+              </a:lnSpc>
+              <a:spcBef>
+                <a:spcPts val="0"/>
+              </a:spcBef>
+              <a:spcAft>
+                <a:spcPts val="0"/>
+              </a:spcAft>
+            </a:pPr>
+            <a:r>
+              <a:rPr lang="fr-CH" sz="900" dirty="0">
+                <a:effectLst/>
+                <a:highlight>
+                  <a:srgbClr val="FFFF00"/>
+                </a:highlight>
+                <a:latin typeface="Courier New" panose="02070309020205020404" pitchFamily="49" charset="0"/>
+                <a:ea typeface="Calibri" panose="020F0502020204030204" pitchFamily="34" charset="0"/>
+                <a:cs typeface="Times New Roman" panose="02020603050405020304" pitchFamily="18" charset="0"/>
+              </a:rPr>
+              <a:t>  1</a:t>
+            </a:r>
+          </a:p>
+          <a:p>
+            <a:pPr marL="0" marR="0">
+              <a:lnSpc>
+                <a:spcPct val="107000"/>
+              </a:lnSpc>
+              <a:spcBef>
+                <a:spcPts val="0"/>
+              </a:spcBef>
+              <a:spcAft>
+                <a:spcPts val="0"/>
+              </a:spcAft>
+            </a:pPr>
+            <a:r>
+              <a:rPr lang="fr-CH" sz="900" dirty="0">
+                <a:effectLst/>
+                <a:highlight>
+                  <a:srgbClr val="FFFF00"/>
+                </a:highlight>
+                <a:latin typeface="Courier New" panose="02070309020205020404" pitchFamily="49" charset="0"/>
+                <a:ea typeface="Calibri" panose="020F0502020204030204" pitchFamily="34" charset="0"/>
+                <a:cs typeface="Times New Roman" panose="02020603050405020304" pitchFamily="18" charset="0"/>
+              </a:rPr>
+              <a:t>&lt;/</a:t>
+            </a:r>
+            <a:r>
+              <a:rPr lang="fr-CH" sz="900" dirty="0" err="1">
+                <a:effectLst/>
+                <a:highlight>
+                  <a:srgbClr val="FFFF00"/>
+                </a:highlight>
+                <a:latin typeface="Courier New" panose="02070309020205020404" pitchFamily="49" charset="0"/>
+                <a:ea typeface="Calibri" panose="020F0502020204030204" pitchFamily="34" charset="0"/>
+                <a:cs typeface="Times New Roman" panose="02020603050405020304" pitchFamily="18" charset="0"/>
+              </a:rPr>
+              <a:t>publisherId</a:t>
+            </a:r>
+            <a:r>
+              <a:rPr lang="fr-CH" sz="900" dirty="0">
+                <a:effectLst/>
+                <a:highlight>
+                  <a:srgbClr val="FFFF00"/>
+                </a:highlight>
+                <a:latin typeface="Courier New" panose="02070309020205020404" pitchFamily="49" charset="0"/>
+                <a:ea typeface="Calibri" panose="020F0502020204030204" pitchFamily="34" charset="0"/>
+                <a:cs typeface="Times New Roman" panose="02020603050405020304" pitchFamily="18" charset="0"/>
+              </a:rPr>
+              <a:t>&gt;</a:t>
+            </a:r>
+          </a:p>
+          <a:p>
+            <a:pPr marL="0" marR="0">
+              <a:lnSpc>
+                <a:spcPct val="107000"/>
+              </a:lnSpc>
+              <a:spcBef>
+                <a:spcPts val="0"/>
+              </a:spcBef>
+              <a:spcAft>
+                <a:spcPts val="0"/>
+              </a:spcAft>
+            </a:pPr>
+            <a:r>
+              <a:rPr lang="fr-CH" sz="900" dirty="0">
+                <a:effectLst/>
+                <a:highlight>
+                  <a:srgbClr val="FFFF00"/>
+                </a:highlight>
+                <a:latin typeface="Courier New" panose="02070309020205020404" pitchFamily="49" charset="0"/>
+                <a:ea typeface="Calibri" panose="020F0502020204030204" pitchFamily="34" charset="0"/>
+                <a:cs typeface="Times New Roman" panose="02020603050405020304" pitchFamily="18" charset="0"/>
+              </a:rPr>
+              <a:t> &lt;</a:t>
+            </a:r>
+            <a:r>
+              <a:rPr lang="fr-CH" sz="900" dirty="0" err="1">
+                <a:effectLst/>
+                <a:highlight>
+                  <a:srgbClr val="FFFF00"/>
+                </a:highlight>
+                <a:latin typeface="Courier New" panose="02070309020205020404" pitchFamily="49" charset="0"/>
+                <a:ea typeface="Calibri" panose="020F0502020204030204" pitchFamily="34" charset="0"/>
+                <a:cs typeface="Times New Roman" panose="02020603050405020304" pitchFamily="18" charset="0"/>
+              </a:rPr>
               <a:t>sequenceNumber</a:t>
             </a:r>
             <a:r>
@@ -9606,6 +9812,40 @@
               <a:ea typeface="Calibri" panose="020F0502020204030204" pitchFamily="34" charset="0"/>
               <a:cs typeface="Times New Roman" panose="02020603050405020304" pitchFamily="18" charset="0"/>
             </a:endParaRPr>
+          </a:p>
+        </p:txBody>
+      </p:sp>
+      <p:sp>
+        <p:nvSpPr>
+          <p:cNvPr id="7" name="Slide Number Placeholder 1">
+            <a:extLst>
+              <a:ext uri="{FF2B5EF4-FFF2-40B4-BE49-F238E27FC236}">
+                <a16:creationId xmlns:a16="http://schemas.microsoft.com/office/drawing/2014/main" id="{7735C87E-721C-4A3D-8B4A-DFBB832FF94D}"/>
+              </a:ext>
+            </a:extLst>
+          </p:cNvPr>
+          <p:cNvSpPr>
+            <a:spLocks noGrp="1"/>
+          </p:cNvSpPr>
+          <p:nvPr>
+            <p:ph type="sldNum" sz="quarter" idx="12"/>
+          </p:nvPr>
+        </p:nvSpPr>
+        <p:spPr>
+          <a:xfrm>
+            <a:off x="11587892" y="6361637"/>
+            <a:ext cx="414251" cy="365125"/>
+          </a:xfrm>
+        </p:spPr>
+        <p:txBody>
+          <a:bodyPr/>
+          <a:lstStyle/>
+          <a:p>
+            <a:fld id="{FC4AC485-25DE-431E-B345-9C0A15BB7F8A}" type="slidenum">
+              <a:rPr lang="de-CH" sz="1400" smtClean="0"/>
+              <a:t>12</a:t>
+            </a:fld>
+            <a:endParaRPr lang="de-CH" sz="1400" dirty="0"/>
           </a:p>
         </p:txBody>
       </p:sp>
@@ -10089,40 +10329,6 @@
       </p:sp>
       <p:sp>
         <p:nvSpPr>
-          <p:cNvPr id="16" name="Slide Number Placeholder 1">
-            <a:extLst>
-              <a:ext uri="{FF2B5EF4-FFF2-40B4-BE49-F238E27FC236}">
-                <a16:creationId xmlns:a16="http://schemas.microsoft.com/office/drawing/2014/main" id="{4D0044F8-1C12-4A59-883A-7B56B9370029}"/>
-              </a:ext>
-            </a:extLst>
-          </p:cNvPr>
-          <p:cNvSpPr>
-            <a:spLocks noGrp="1"/>
-          </p:cNvSpPr>
-          <p:nvPr>
-            <p:ph type="sldNum" sz="quarter" idx="12"/>
-          </p:nvPr>
-        </p:nvSpPr>
-        <p:spPr>
-          <a:xfrm>
-            <a:off x="11607800" y="6362700"/>
-            <a:ext cx="414338" cy="365125"/>
-          </a:xfrm>
-        </p:spPr>
-        <p:txBody>
-          <a:bodyPr/>
-          <a:lstStyle/>
-          <a:p>
-            <a:fld id="{FC4AC485-25DE-431E-B345-9C0A15BB7F8A}" type="slidenum">
-              <a:rPr lang="en-US" sz="2200" smtClean="0"/>
-              <a:t>13</a:t>
-            </a:fld>
-            <a:endParaRPr lang="en-US" sz="2200"/>
-          </a:p>
-        </p:txBody>
-      </p:sp>
-      <p:sp>
-        <p:nvSpPr>
           <p:cNvPr id="11" name="TextBox 10">
             <a:extLst>
               <a:ext uri="{FF2B5EF4-FFF2-40B4-BE49-F238E27FC236}">
@@ -10834,6 +11040,40 @@
               <a:ea typeface="Calibri" panose="020F0502020204030204" pitchFamily="34" charset="0"/>
               <a:cs typeface="Times New Roman" panose="02020603050405020304" pitchFamily="18" charset="0"/>
             </a:endParaRPr>
+          </a:p>
+        </p:txBody>
+      </p:sp>
+      <p:sp>
+        <p:nvSpPr>
+          <p:cNvPr id="7" name="Slide Number Placeholder 1">
+            <a:extLst>
+              <a:ext uri="{FF2B5EF4-FFF2-40B4-BE49-F238E27FC236}">
+                <a16:creationId xmlns:a16="http://schemas.microsoft.com/office/drawing/2014/main" id="{E69E2736-74E5-4FBF-9BAF-7C0E02E76D7E}"/>
+              </a:ext>
+            </a:extLst>
+          </p:cNvPr>
+          <p:cNvSpPr>
+            <a:spLocks noGrp="1"/>
+          </p:cNvSpPr>
+          <p:nvPr>
+            <p:ph type="sldNum" sz="quarter" idx="12"/>
+          </p:nvPr>
+        </p:nvSpPr>
+        <p:spPr>
+          <a:xfrm>
+            <a:off x="11587892" y="6361637"/>
+            <a:ext cx="414251" cy="365125"/>
+          </a:xfrm>
+        </p:spPr>
+        <p:txBody>
+          <a:bodyPr/>
+          <a:lstStyle/>
+          <a:p>
+            <a:fld id="{FC4AC485-25DE-431E-B345-9C0A15BB7F8A}" type="slidenum">
+              <a:rPr lang="de-CH" sz="1400" smtClean="0"/>
+              <a:t>13</a:t>
+            </a:fld>
+            <a:endParaRPr lang="de-CH" sz="1400" dirty="0"/>
           </a:p>
         </p:txBody>
       </p:sp>
@@ -11943,40 +12183,6 @@
           </a:p>
           <a:p>
             <a:endParaRPr lang="en-US" sz="2000" dirty="0"/>
-          </a:p>
-        </p:txBody>
-      </p:sp>
-      <p:sp>
-        <p:nvSpPr>
-          <p:cNvPr id="16" name="Slide Number Placeholder 1">
-            <a:extLst>
-              <a:ext uri="{FF2B5EF4-FFF2-40B4-BE49-F238E27FC236}">
-                <a16:creationId xmlns:a16="http://schemas.microsoft.com/office/drawing/2014/main" id="{4D0044F8-1C12-4A59-883A-7B56B9370029}"/>
-              </a:ext>
-            </a:extLst>
-          </p:cNvPr>
-          <p:cNvSpPr>
-            <a:spLocks noGrp="1"/>
-          </p:cNvSpPr>
-          <p:nvPr>
-            <p:ph type="sldNum" sz="quarter" idx="12"/>
-          </p:nvPr>
-        </p:nvSpPr>
-        <p:spPr>
-          <a:xfrm>
-            <a:off x="11607800" y="6362700"/>
-            <a:ext cx="414338" cy="365125"/>
-          </a:xfrm>
-        </p:spPr>
-        <p:txBody>
-          <a:bodyPr/>
-          <a:lstStyle/>
-          <a:p>
-            <a:fld id="{FC4AC485-25DE-431E-B345-9C0A15BB7F8A}" type="slidenum">
-              <a:rPr lang="en-US" sz="2200" smtClean="0"/>
-              <a:t>14</a:t>
-            </a:fld>
-            <a:endParaRPr lang="en-US" sz="2200"/>
           </a:p>
         </p:txBody>
       </p:sp>
@@ -12749,6 +12955,40 @@
           </a:p>
         </p:txBody>
       </p:sp>
+      <p:sp>
+        <p:nvSpPr>
+          <p:cNvPr id="11" name="Slide Number Placeholder 1">
+            <a:extLst>
+              <a:ext uri="{FF2B5EF4-FFF2-40B4-BE49-F238E27FC236}">
+                <a16:creationId xmlns:a16="http://schemas.microsoft.com/office/drawing/2014/main" id="{512B43D3-8F19-488A-8D0D-979DD7EC8E7E}"/>
+              </a:ext>
+            </a:extLst>
+          </p:cNvPr>
+          <p:cNvSpPr>
+            <a:spLocks noGrp="1"/>
+          </p:cNvSpPr>
+          <p:nvPr>
+            <p:ph type="sldNum" sz="quarter" idx="12"/>
+          </p:nvPr>
+        </p:nvSpPr>
+        <p:spPr>
+          <a:xfrm>
+            <a:off x="11587892" y="6361637"/>
+            <a:ext cx="414251" cy="365125"/>
+          </a:xfrm>
+        </p:spPr>
+        <p:txBody>
+          <a:bodyPr/>
+          <a:lstStyle/>
+          <a:p>
+            <a:fld id="{FC4AC485-25DE-431E-B345-9C0A15BB7F8A}" type="slidenum">
+              <a:rPr lang="de-CH" sz="1400" smtClean="0"/>
+              <a:t>14</a:t>
+            </a:fld>
+            <a:endParaRPr lang="de-CH" sz="1400" dirty="0"/>
+          </a:p>
+        </p:txBody>
+      </p:sp>
     </p:spTree>
     <p:extLst>
       <p:ext uri="{BB962C8B-B14F-4D97-AF65-F5344CB8AC3E}">
@@ -12860,7 +13100,7 @@
             <a:pPr lvl="1"/>
             <a:r>
               <a:rPr lang="en-US" sz="2000" dirty="0"/>
-              <a:t>By defining a YANG module for NETCONF notification and adding hostname, sequence number, observation time, revision and revision-label into YANG push-update and Subscription State Change notification messages an </a:t>
+              <a:t>By defining a YANG module for NETCONF notification and adding hostname, publisher ID, sequence number, observation time, revision and revision-label into YANG push-update and Subscription State Change notification messages an </a:t>
             </a:r>
             <a:r>
               <a:rPr lang="en-US" sz="2000" b="1" dirty="0">
@@ -12921,40 +13161,6 @@
               <a:t>https://github.com/graf3net/draft-daisy-kafka-yang-integration/blob/main/draft-daisy-kafka-yang-integration-03.md</a:t>
             </a:r>
             <a:endParaRPr lang="en-US" sz="2000" dirty="0"/>
-          </a:p>
-        </p:txBody>
-      </p:sp>
-      <p:sp>
-        <p:nvSpPr>
-          <p:cNvPr id="16" name="Slide Number Placeholder 1">
-            <a:extLst>
-              <a:ext uri="{FF2B5EF4-FFF2-40B4-BE49-F238E27FC236}">
-                <a16:creationId xmlns:a16="http://schemas.microsoft.com/office/drawing/2014/main" id="{4D0044F8-1C12-4A59-883A-7B56B9370029}"/>
-              </a:ext>
-            </a:extLst>
-          </p:cNvPr>
-          <p:cNvSpPr>
-            <a:spLocks noGrp="1"/>
-          </p:cNvSpPr>
-          <p:nvPr>
-            <p:ph type="sldNum" sz="quarter" idx="12"/>
-          </p:nvPr>
-        </p:nvSpPr>
-        <p:spPr>
-          <a:xfrm>
-            <a:off x="11500701" y="6362700"/>
-            <a:ext cx="521437" cy="365125"/>
-          </a:xfrm>
-        </p:spPr>
-        <p:txBody>
-          <a:bodyPr/>
-          <a:lstStyle/>
-          <a:p>
-            <a:fld id="{FC4AC485-25DE-431E-B345-9C0A15BB7F8A}" type="slidenum">
-              <a:rPr lang="en-US" sz="2200" smtClean="0"/>
-              <a:t>15</a:t>
-            </a:fld>
-            <a:endParaRPr lang="en-US" sz="2200" dirty="0"/>
           </a:p>
         </p:txBody>
       </p:sp>
@@ -13242,6 +13448,40 @@
           </a:prstGeom>
         </p:spPr>
       </p:pic>
+      <p:sp>
+        <p:nvSpPr>
+          <p:cNvPr id="8" name="Slide Number Placeholder 1">
+            <a:extLst>
+              <a:ext uri="{FF2B5EF4-FFF2-40B4-BE49-F238E27FC236}">
+                <a16:creationId xmlns:a16="http://schemas.microsoft.com/office/drawing/2014/main" id="{F03D7BF8-F90A-4F8C-8FCE-B1DB1DEC687A}"/>
+              </a:ext>
+            </a:extLst>
+          </p:cNvPr>
+          <p:cNvSpPr>
+            <a:spLocks noGrp="1"/>
+          </p:cNvSpPr>
+          <p:nvPr>
+            <p:ph type="sldNum" sz="quarter" idx="12"/>
+          </p:nvPr>
+        </p:nvSpPr>
+        <p:spPr>
+          <a:xfrm>
+            <a:off x="11587892" y="6361637"/>
+            <a:ext cx="414251" cy="365125"/>
+          </a:xfrm>
+        </p:spPr>
+        <p:txBody>
+          <a:bodyPr/>
+          <a:lstStyle/>
+          <a:p>
+            <a:fld id="{FC4AC485-25DE-431E-B345-9C0A15BB7F8A}" type="slidenum">
+              <a:rPr lang="de-CH" sz="1400" smtClean="0"/>
+              <a:t>15</a:t>
+            </a:fld>
+            <a:endParaRPr lang="de-CH" sz="1400" dirty="0"/>
+          </a:p>
+        </p:txBody>
+      </p:sp>
     </p:spTree>
     <p:extLst>
       <p:ext uri="{BB962C8B-B14F-4D97-AF65-F5344CB8AC3E}">
@@ -13505,6 +13745,40 @@
           </a:p>
         </p:txBody>
       </p:sp>
+      <p:sp>
+        <p:nvSpPr>
+          <p:cNvPr id="6" name="Slide Number Placeholder 1">
+            <a:extLst>
+              <a:ext uri="{FF2B5EF4-FFF2-40B4-BE49-F238E27FC236}">
+                <a16:creationId xmlns:a16="http://schemas.microsoft.com/office/drawing/2014/main" id="{024DC3B6-499C-4E15-9336-2F15A0DFB843}"/>
+              </a:ext>
+            </a:extLst>
+          </p:cNvPr>
+          <p:cNvSpPr>
+            <a:spLocks noGrp="1"/>
+          </p:cNvSpPr>
+          <p:nvPr>
+            <p:ph type="sldNum" sz="quarter" idx="12"/>
+          </p:nvPr>
+        </p:nvSpPr>
+        <p:spPr>
+          <a:xfrm>
+            <a:off x="11587892" y="6361637"/>
+            <a:ext cx="414251" cy="365125"/>
+          </a:xfrm>
+        </p:spPr>
+        <p:txBody>
+          <a:bodyPr/>
+          <a:lstStyle/>
+          <a:p>
+            <a:fld id="{FC4AC485-25DE-431E-B345-9C0A15BB7F8A}" type="slidenum">
+              <a:rPr lang="de-CH" sz="1400" smtClean="0"/>
+              <a:t>2</a:t>
+            </a:fld>
+            <a:endParaRPr lang="de-CH" sz="1400" dirty="0"/>
+          </a:p>
+        </p:txBody>
+      </p:sp>
     </p:spTree>
     <p:extLst>
       <p:ext uri="{BB962C8B-B14F-4D97-AF65-F5344CB8AC3E}">
@@ -13580,40 +13854,6 @@
                 <a:srgbClr val="FF0000"/>
               </a:solidFill>
             </a:endParaRPr>
-          </a:p>
-        </p:txBody>
-      </p:sp>
-      <p:sp>
-        <p:nvSpPr>
-          <p:cNvPr id="16" name="Slide Number Placeholder 1">
-            <a:extLst>
-              <a:ext uri="{FF2B5EF4-FFF2-40B4-BE49-F238E27FC236}">
-                <a16:creationId xmlns:a16="http://schemas.microsoft.com/office/drawing/2014/main" id="{4D0044F8-1C12-4A59-883A-7B56B9370029}"/>
-              </a:ext>
-            </a:extLst>
-          </p:cNvPr>
-          <p:cNvSpPr>
-            <a:spLocks noGrp="1"/>
-          </p:cNvSpPr>
-          <p:nvPr>
-            <p:ph type="sldNum" sz="quarter" idx="12"/>
-          </p:nvPr>
-        </p:nvSpPr>
-        <p:spPr>
-          <a:xfrm>
-            <a:off x="11607800" y="6362700"/>
-            <a:ext cx="414338" cy="365125"/>
-          </a:xfrm>
-        </p:spPr>
-        <p:txBody>
-          <a:bodyPr/>
-          <a:lstStyle/>
-          <a:p>
-            <a:fld id="{FC4AC485-25DE-431E-B345-9C0A15BB7F8A}" type="slidenum">
-              <a:rPr lang="en-US" sz="2200" smtClean="0"/>
-              <a:t>3</a:t>
-            </a:fld>
-            <a:endParaRPr lang="en-US" sz="2200"/>
           </a:p>
         </p:txBody>
       </p:sp>
@@ -14680,6 +14920,40 @@
           </a:fontRef>
         </p:style>
       </p:cxnSp>
+      <p:sp>
+        <p:nvSpPr>
+          <p:cNvPr id="29" name="Slide Number Placeholder 1">
+            <a:extLst>
+              <a:ext uri="{FF2B5EF4-FFF2-40B4-BE49-F238E27FC236}">
+                <a16:creationId xmlns:a16="http://schemas.microsoft.com/office/drawing/2014/main" id="{5F8AF840-969F-4F62-87CD-F2A3B9803064}"/>
+              </a:ext>
+            </a:extLst>
+          </p:cNvPr>
+          <p:cNvSpPr>
+            <a:spLocks noGrp="1"/>
+          </p:cNvSpPr>
+          <p:nvPr>
+            <p:ph type="sldNum" sz="quarter" idx="12"/>
+          </p:nvPr>
+        </p:nvSpPr>
+        <p:spPr>
+          <a:xfrm>
+            <a:off x="11587892" y="6361637"/>
+            <a:ext cx="414251" cy="365125"/>
+          </a:xfrm>
+        </p:spPr>
+        <p:txBody>
+          <a:bodyPr/>
+          <a:lstStyle/>
+          <a:p>
+            <a:fld id="{FC4AC485-25DE-431E-B345-9C0A15BB7F8A}" type="slidenum">
+              <a:rPr lang="de-CH" sz="1400" smtClean="0"/>
+              <a:t>3</a:t>
+            </a:fld>
+            <a:endParaRPr lang="de-CH" sz="1400" dirty="0"/>
+          </a:p>
+        </p:txBody>
+      </p:sp>
     </p:spTree>
     <p:extLst>
       <p:ext uri="{BB962C8B-B14F-4D97-AF65-F5344CB8AC3E}">
@@ -15592,7 +15866,7 @@
             <a:pPr lvl="1"/>
             <a:r>
               <a:rPr lang="en-US" sz="2000" dirty="0"/>
-              <a:t>Hostname and sequence numbers help us to understand </a:t>
+              <a:t>Hostname, publisher ID and sequence numbers help us to understand </a:t>
             </a:r>
             <a:r>
               <a:rPr lang="en-US" sz="2000" b="1" dirty="0">
@@ -15651,40 +15925,6 @@
               <a:rPr lang="en-US" sz="2000" dirty="0"/>
               <a:t>changes end to end.</a:t>
             </a:r>
-          </a:p>
-        </p:txBody>
-      </p:sp>
-      <p:sp>
-        <p:nvSpPr>
-          <p:cNvPr id="16" name="Slide Number Placeholder 1">
-            <a:extLst>
-              <a:ext uri="{FF2B5EF4-FFF2-40B4-BE49-F238E27FC236}">
-                <a16:creationId xmlns:a16="http://schemas.microsoft.com/office/drawing/2014/main" id="{4D0044F8-1C12-4A59-883A-7B56B9370029}"/>
-              </a:ext>
-            </a:extLst>
-          </p:cNvPr>
-          <p:cNvSpPr>
-            <a:spLocks noGrp="1"/>
-          </p:cNvSpPr>
-          <p:nvPr>
-            <p:ph type="sldNum" sz="quarter" idx="12"/>
-          </p:nvPr>
-        </p:nvSpPr>
-        <p:spPr>
-          <a:xfrm>
-            <a:off x="11607800" y="6362700"/>
-            <a:ext cx="414338" cy="365125"/>
-          </a:xfrm>
-        </p:spPr>
-        <p:txBody>
-          <a:bodyPr/>
-          <a:lstStyle/>
-          <a:p>
-            <a:fld id="{FC4AC485-25DE-431E-B345-9C0A15BB7F8A}" type="slidenum">
-              <a:rPr lang="en-US" sz="2200" smtClean="0"/>
-              <a:t>4</a:t>
-            </a:fld>
-            <a:endParaRPr lang="en-US" sz="2200"/>
           </a:p>
         </p:txBody>
       </p:sp>
@@ -15718,6 +15958,40 @@
           </a:prstGeom>
         </p:spPr>
       </p:pic>
+      <p:sp>
+        <p:nvSpPr>
+          <p:cNvPr id="6" name="Slide Number Placeholder 1">
+            <a:extLst>
+              <a:ext uri="{FF2B5EF4-FFF2-40B4-BE49-F238E27FC236}">
+                <a16:creationId xmlns:a16="http://schemas.microsoft.com/office/drawing/2014/main" id="{3D5EE238-429C-4784-8E42-1813EF45704D}"/>
+              </a:ext>
+            </a:extLst>
+          </p:cNvPr>
+          <p:cNvSpPr>
+            <a:spLocks noGrp="1"/>
+          </p:cNvSpPr>
+          <p:nvPr>
+            <p:ph type="sldNum" sz="quarter" idx="12"/>
+          </p:nvPr>
+        </p:nvSpPr>
+        <p:spPr>
+          <a:xfrm>
+            <a:off x="11587892" y="6361637"/>
+            <a:ext cx="414251" cy="365125"/>
+          </a:xfrm>
+        </p:spPr>
+        <p:txBody>
+          <a:bodyPr/>
+          <a:lstStyle/>
+          <a:p>
+            <a:fld id="{FC4AC485-25DE-431E-B345-9C0A15BB7F8A}" type="slidenum">
+              <a:rPr lang="de-CH" sz="1400" smtClean="0"/>
+              <a:t>4</a:t>
+            </a:fld>
+            <a:endParaRPr lang="de-CH" sz="1400" dirty="0"/>
+          </a:p>
+        </p:txBody>
+      </p:sp>
     </p:spTree>
     <p:extLst>
       <p:ext uri="{BB962C8B-B14F-4D97-AF65-F5344CB8AC3E}">
@@ -15796,40 +16070,6 @@
               </a:rPr>
               <a:t>networks</a:t>
             </a:r>
-          </a:p>
-        </p:txBody>
-      </p:sp>
-      <p:sp>
-        <p:nvSpPr>
-          <p:cNvPr id="16" name="Slide Number Placeholder 1">
-            <a:extLst>
-              <a:ext uri="{FF2B5EF4-FFF2-40B4-BE49-F238E27FC236}">
-                <a16:creationId xmlns:a16="http://schemas.microsoft.com/office/drawing/2014/main" id="{4D0044F8-1C12-4A59-883A-7B56B9370029}"/>
-              </a:ext>
-            </a:extLst>
-          </p:cNvPr>
-          <p:cNvSpPr>
-            <a:spLocks noGrp="1"/>
-          </p:cNvSpPr>
-          <p:nvPr>
-            <p:ph type="sldNum" sz="quarter" idx="12"/>
-          </p:nvPr>
-        </p:nvSpPr>
-        <p:spPr>
-          <a:xfrm>
-            <a:off x="11607800" y="6362700"/>
-            <a:ext cx="414338" cy="365125"/>
-          </a:xfrm>
-        </p:spPr>
-        <p:txBody>
-          <a:bodyPr/>
-          <a:lstStyle/>
-          <a:p>
-            <a:fld id="{FC4AC485-25DE-431E-B345-9C0A15BB7F8A}" type="slidenum">
-              <a:rPr lang="en-US" sz="2200" smtClean="0"/>
-              <a:t>5</a:t>
-            </a:fld>
-            <a:endParaRPr lang="en-US" sz="2200"/>
           </a:p>
         </p:txBody>
       </p:sp>
@@ -17154,6 +17394,40 @@
           </a:p>
         </p:txBody>
       </p:sp>
+      <p:sp>
+        <p:nvSpPr>
+          <p:cNvPr id="15" name="Slide Number Placeholder 1">
+            <a:extLst>
+              <a:ext uri="{FF2B5EF4-FFF2-40B4-BE49-F238E27FC236}">
+                <a16:creationId xmlns:a16="http://schemas.microsoft.com/office/drawing/2014/main" id="{704F85C9-4E7E-4C9B-8B74-9B6A95800D4E}"/>
+              </a:ext>
+            </a:extLst>
+          </p:cNvPr>
+          <p:cNvSpPr>
+            <a:spLocks noGrp="1"/>
+          </p:cNvSpPr>
+          <p:nvPr>
+            <p:ph type="sldNum" sz="quarter" idx="12"/>
+          </p:nvPr>
+        </p:nvSpPr>
+        <p:spPr>
+          <a:xfrm>
+            <a:off x="11587892" y="6361637"/>
+            <a:ext cx="414251" cy="365125"/>
+          </a:xfrm>
+        </p:spPr>
+        <p:txBody>
+          <a:bodyPr/>
+          <a:lstStyle/>
+          <a:p>
+            <a:fld id="{FC4AC485-25DE-431E-B345-9C0A15BB7F8A}" type="slidenum">
+              <a:rPr lang="de-CH" sz="1400" smtClean="0"/>
+              <a:t>5</a:t>
+            </a:fld>
+            <a:endParaRPr lang="de-CH" sz="1400" dirty="0"/>
+          </a:p>
+        </p:txBody>
+      </p:sp>
     </p:spTree>
     <p:extLst>
       <p:ext uri="{BB962C8B-B14F-4D97-AF65-F5344CB8AC3E}">
@@ -17229,40 +17503,6 @@
                 <a:srgbClr val="FF0000"/>
               </a:solidFill>
             </a:endParaRPr>
-          </a:p>
-        </p:txBody>
-      </p:sp>
-      <p:sp>
-        <p:nvSpPr>
-          <p:cNvPr id="16" name="Slide Number Placeholder 1">
-            <a:extLst>
-              <a:ext uri="{FF2B5EF4-FFF2-40B4-BE49-F238E27FC236}">
-                <a16:creationId xmlns:a16="http://schemas.microsoft.com/office/drawing/2014/main" id="{4D0044F8-1C12-4A59-883A-7B56B9370029}"/>
-              </a:ext>
-            </a:extLst>
-          </p:cNvPr>
-          <p:cNvSpPr>
-            <a:spLocks noGrp="1"/>
-          </p:cNvSpPr>
-          <p:nvPr>
-            <p:ph type="sldNum" sz="quarter" idx="12"/>
-          </p:nvPr>
-        </p:nvSpPr>
-        <p:spPr>
-          <a:xfrm>
-            <a:off x="11607800" y="6362700"/>
-            <a:ext cx="414338" cy="365125"/>
-          </a:xfrm>
-        </p:spPr>
-        <p:txBody>
-          <a:bodyPr/>
-          <a:lstStyle/>
-          <a:p>
-            <a:fld id="{FC4AC485-25DE-431E-B345-9C0A15BB7F8A}" type="slidenum">
-              <a:rPr lang="en-US" sz="2200" smtClean="0"/>
-              <a:t>6</a:t>
-            </a:fld>
-            <a:endParaRPr lang="en-US" sz="2200"/>
           </a:p>
         </p:txBody>
       </p:sp>
@@ -17937,6 +18177,40 @@
           </a:graphicData>
         </a:graphic>
       </p:graphicFrame>
+      <p:sp>
+        <p:nvSpPr>
+          <p:cNvPr id="5" name="Slide Number Placeholder 1">
+            <a:extLst>
+              <a:ext uri="{FF2B5EF4-FFF2-40B4-BE49-F238E27FC236}">
+                <a16:creationId xmlns:a16="http://schemas.microsoft.com/office/drawing/2014/main" id="{9A89AFD8-ECC3-4A49-A8E5-D43C1C921876}"/>
+              </a:ext>
+            </a:extLst>
+          </p:cNvPr>
+          <p:cNvSpPr>
+            <a:spLocks noGrp="1"/>
+          </p:cNvSpPr>
+          <p:nvPr>
+            <p:ph type="sldNum" sz="quarter" idx="12"/>
+          </p:nvPr>
+        </p:nvSpPr>
+        <p:spPr>
+          <a:xfrm>
+            <a:off x="11587892" y="6361637"/>
+            <a:ext cx="414251" cy="365125"/>
+          </a:xfrm>
+        </p:spPr>
+        <p:txBody>
+          <a:bodyPr/>
+          <a:lstStyle/>
+          <a:p>
+            <a:fld id="{FC4AC485-25DE-431E-B345-9C0A15BB7F8A}" type="slidenum">
+              <a:rPr lang="de-CH" sz="1400" smtClean="0"/>
+              <a:t>6</a:t>
+            </a:fld>
+            <a:endParaRPr lang="de-CH" sz="1400" dirty="0"/>
+          </a:p>
+        </p:txBody>
+      </p:sp>
     </p:spTree>
     <p:extLst>
       <p:ext uri="{BB962C8B-B14F-4D97-AF65-F5344CB8AC3E}">
@@ -23222,40 +23496,6 @@
       </p:sp>
       <p:sp>
         <p:nvSpPr>
-          <p:cNvPr id="16" name="Slide Number Placeholder 1">
-            <a:extLst>
-              <a:ext uri="{FF2B5EF4-FFF2-40B4-BE49-F238E27FC236}">
-                <a16:creationId xmlns:a16="http://schemas.microsoft.com/office/drawing/2014/main" id="{4D0044F8-1C12-4A59-883A-7B56B9370029}"/>
-              </a:ext>
-            </a:extLst>
-          </p:cNvPr>
-          <p:cNvSpPr>
-            <a:spLocks noGrp="1"/>
-          </p:cNvSpPr>
-          <p:nvPr>
-            <p:ph type="sldNum" sz="quarter" idx="12"/>
-          </p:nvPr>
-        </p:nvSpPr>
-        <p:spPr>
-          <a:xfrm>
-            <a:off x="11607800" y="6362700"/>
-            <a:ext cx="414338" cy="365125"/>
-          </a:xfrm>
-        </p:spPr>
-        <p:txBody>
-          <a:bodyPr/>
-          <a:lstStyle/>
-          <a:p>
-            <a:fld id="{FC4AC485-25DE-431E-B345-9C0A15BB7F8A}" type="slidenum">
-              <a:rPr lang="en-US" sz="2200" smtClean="0"/>
-              <a:t>8</a:t>
-            </a:fld>
-            <a:endParaRPr lang="en-US" sz="2200"/>
-          </a:p>
-        </p:txBody>
-      </p:sp>
-      <p:sp>
-        <p:nvSpPr>
           <p:cNvPr id="17" name="Rectangle 16">
             <a:extLst>
               <a:ext uri="{FF2B5EF4-FFF2-40B4-BE49-F238E27FC236}">
@@ -23425,6 +23665,40 @@
           </a:prstGeom>
         </p:spPr>
       </p:pic>
+      <p:sp>
+        <p:nvSpPr>
+          <p:cNvPr id="7" name="Slide Number Placeholder 1">
+            <a:extLst>
+              <a:ext uri="{FF2B5EF4-FFF2-40B4-BE49-F238E27FC236}">
+                <a16:creationId xmlns:a16="http://schemas.microsoft.com/office/drawing/2014/main" id="{4868E83A-88B9-49DB-80D5-59FE712D0CCA}"/>
+              </a:ext>
+            </a:extLst>
+          </p:cNvPr>
+          <p:cNvSpPr>
+            <a:spLocks noGrp="1"/>
+          </p:cNvSpPr>
+          <p:nvPr>
+            <p:ph type="sldNum" sz="quarter" idx="12"/>
+          </p:nvPr>
+        </p:nvSpPr>
+        <p:spPr>
+          <a:xfrm>
+            <a:off x="11587892" y="6361637"/>
+            <a:ext cx="414251" cy="365125"/>
+          </a:xfrm>
+        </p:spPr>
+        <p:txBody>
+          <a:bodyPr/>
+          <a:lstStyle/>
+          <a:p>
+            <a:fld id="{FC4AC485-25DE-431E-B345-9C0A15BB7F8A}" type="slidenum">
+              <a:rPr lang="de-CH" sz="1400" smtClean="0"/>
+              <a:t>8</a:t>
+            </a:fld>
+            <a:endParaRPr lang="de-CH" sz="1400" dirty="0"/>
+          </a:p>
+        </p:txBody>
+      </p:sp>
     </p:spTree>
     <p:extLst>
       <p:ext uri="{BB962C8B-B14F-4D97-AF65-F5344CB8AC3E}">
@@ -23503,13 +23777,13 @@
         </p:nvSpPr>
         <p:spPr>
           <a:xfrm>
-            <a:off x="8012784" y="856211"/>
-            <a:ext cx="3949831" cy="5752406"/>
+            <a:off x="8012784" y="133004"/>
+            <a:ext cx="3949831" cy="6475613"/>
           </a:xfrm>
         </p:spPr>
         <p:txBody>
           <a:bodyPr>
-            <a:normAutofit fontScale="85000" lnSpcReduction="10000"/>
+            <a:noAutofit/>
           </a:bodyPr>
           <a:lstStyle/>
           <a:p>
@@ -23522,23 +23796,23 @@
               </a:spcAft>
             </a:pPr>
             <a:r>
-              <a:rPr lang="en-US" sz="1900" b="1" dirty="0"/>
+              <a:rPr lang="en-US" sz="1600" b="1" dirty="0"/>
               <a:t>Data Mesh </a:t>
             </a:r>
             <a:r>
-              <a:rPr lang="en-US" sz="1900" dirty="0"/>
+              <a:rPr lang="en-US" sz="1600" dirty="0"/>
               <a:t>is a big data architecture where different domains can exchange data with a </a:t>
             </a:r>
             <a:r>
-              <a:rPr lang="en-US" sz="1900" b="1" dirty="0"/>
+              <a:rPr lang="en-US" sz="1600" b="1" dirty="0"/>
               <a:t>bounded context and SLO's </a:t>
             </a:r>
             <a:r>
-              <a:rPr lang="en-US" sz="1900" dirty="0"/>
+              <a:rPr lang="en-US" sz="1600" dirty="0"/>
               <a:t>are defined in Data Products. </a:t>
             </a:r>
             <a:r>
-              <a:rPr lang="en-US" sz="1900" b="1" dirty="0"/>
+              <a:rPr lang="en-US" sz="1600" b="1" dirty="0"/>
               <a:t>Same principle as in networks.</a:t>
             </a:r>
           </a:p>
@@ -23554,19 +23828,19 @@
               <a:buChar char="•"/>
             </a:pPr>
             <a:r>
-              <a:rPr lang="en-US" sz="1900" b="1" dirty="0"/>
+              <a:rPr lang="en-US" sz="1600" b="1" dirty="0"/>
               <a:t>Semantics</a:t>
             </a:r>
             <a:r>
-              <a:rPr lang="en-US" sz="1900" dirty="0"/>
+              <a:rPr lang="en-US" sz="1600" dirty="0"/>
               <a:t> are needed to describe the data. </a:t>
             </a:r>
             <a:r>
-              <a:rPr lang="en-US" sz="1900" b="1" dirty="0"/>
+              <a:rPr lang="en-US" sz="1600" b="1" dirty="0"/>
               <a:t>A gauge32 is not the same as counter32. </a:t>
             </a:r>
             <a:r>
-              <a:rPr lang="en-US" sz="1900" dirty="0"/>
+              <a:rPr lang="en-US" sz="1600" dirty="0"/>
               <a:t>Values can increase or decrease. Needs monotonic increasing counter normalization or not.</a:t>
             </a:r>
           </a:p>
@@ -23580,23 +23854,23 @@
               </a:spcAft>
             </a:pPr>
             <a:r>
-              <a:rPr lang="en-US" sz="1900" b="1" dirty="0"/>
+              <a:rPr lang="en-US" sz="1600" b="1" dirty="0"/>
               <a:t>Versioning </a:t>
             </a:r>
             <a:r>
-              <a:rPr lang="en-US" sz="1900" dirty="0"/>
+              <a:rPr lang="en-US" sz="1600" dirty="0"/>
               <a:t>is needed to</a:t>
             </a:r>
             <a:r>
-              <a:rPr lang="en-US" sz="1900" b="1" dirty="0"/>
+              <a:rPr lang="en-US" sz="1600" b="1" dirty="0"/>
               <a:t> </a:t>
             </a:r>
             <a:r>
-              <a:rPr lang="en-US" sz="1900" dirty="0"/>
+              <a:rPr lang="en-US" sz="1600" dirty="0"/>
               <a:t>not only understand that the semantic has changed, but also wherever the new semantic is backward compatible or not. </a:t>
             </a:r>
             <a:r>
-              <a:rPr lang="en-US" sz="1900" b="1" dirty="0"/>
+              <a:rPr lang="en-US" sz="1600" b="1" dirty="0"/>
               <a:t>Preventing to break the data processing pipeline.</a:t>
             </a:r>
           </a:p>
@@ -23610,15 +23884,15 @@
               </a:spcAft>
             </a:pPr>
             <a:r>
-              <a:rPr lang="en-US" sz="1900" b="1" dirty="0"/>
-              <a:t>Hostname, sequence numbers and observation timestamping </a:t>
-            </a:r>
-            <a:r>
-              <a:rPr lang="en-US" sz="1900" dirty="0"/>
+              <a:rPr lang="en-US" sz="1600" b="1" dirty="0"/>
+              <a:t>Hostname, publisher ID, sequence numbers and observation timestamping </a:t>
+            </a:r>
+            <a:r>
+              <a:rPr lang="en-US" sz="1600" dirty="0"/>
               <a:t>are needed to </a:t>
             </a:r>
             <a:r>
-              <a:rPr lang="en-US" sz="1900" b="1" dirty="0"/>
+              <a:rPr lang="en-US" sz="1600" b="1" dirty="0"/>
               <a:t>measure loss and delay for SLO's.</a:t>
             </a:r>
           </a:p>
@@ -23634,19 +23908,19 @@
               <a:buChar char="•"/>
             </a:pPr>
             <a:r>
-              <a:rPr lang="en-US" sz="1900" b="1" dirty="0"/>
+              <a:rPr lang="en-US" sz="1600" b="1" dirty="0"/>
               <a:t>YANG push as defined in RFC8641 is missing </a:t>
             </a:r>
             <a:r>
-              <a:rPr lang="en-US" sz="1900" dirty="0"/>
+              <a:rPr lang="en-US" sz="1600" dirty="0"/>
               <a:t>hostname, sequence numbers, observation timestamping and versioning</a:t>
             </a:r>
             <a:r>
-              <a:rPr lang="en-US" sz="1900" b="1" dirty="0"/>
+              <a:rPr lang="en-US" sz="1600" b="1" dirty="0"/>
               <a:t>. </a:t>
             </a:r>
             <a:r>
-              <a:rPr lang="en-US" sz="1900" dirty="0">
+              <a:rPr lang="en-US" sz="1600" dirty="0">
                 <a:solidFill>
                   <a:srgbClr val="FF0000"/>
                 </a:solidFill>
@@ -23654,7 +23928,7 @@
               <a:t>draft-</a:t>
             </a:r>
             <a:r>
-              <a:rPr lang="en-US" sz="1900" dirty="0" err="1">
+              <a:rPr lang="en-US" sz="1600" dirty="0" err="1">
                 <a:solidFill>
                   <a:srgbClr val="FF0000"/>
                 </a:solidFill>
@@ -23662,7 +23936,7 @@
               <a:t>ahuang</a:t>
             </a:r>
             <a:r>
-              <a:rPr lang="en-US" sz="1900" dirty="0">
+              <a:rPr lang="en-US" sz="1600" dirty="0">
                 <a:solidFill>
                   <a:srgbClr val="FF0000"/>
                 </a:solidFill>
@@ -23670,7 +23944,7 @@
               <a:t>-netconf-</a:t>
             </a:r>
             <a:r>
-              <a:rPr lang="en-US" sz="1900" dirty="0" err="1">
+              <a:rPr lang="en-US" sz="1600" dirty="0" err="1">
                 <a:solidFill>
                   <a:srgbClr val="FF0000"/>
                 </a:solidFill>
@@ -23678,7 +23952,7 @@
               <a:t>notif</a:t>
             </a:r>
             <a:r>
-              <a:rPr lang="en-US" sz="1900" dirty="0">
+              <a:rPr lang="en-US" sz="1600" dirty="0">
                 <a:solidFill>
                   <a:srgbClr val="FF0000"/>
                 </a:solidFill>
@@ -23686,7 +23960,7 @@
               <a:t>-yang, draft-</a:t>
             </a:r>
             <a:r>
-              <a:rPr lang="en-US" sz="1900" dirty="0" err="1">
+              <a:rPr lang="en-US" sz="1600" dirty="0" err="1">
                 <a:solidFill>
                   <a:srgbClr val="FF0000"/>
                 </a:solidFill>
@@ -23694,7 +23968,7 @@
               <a:t>tgraf</a:t>
             </a:r>
             <a:r>
-              <a:rPr lang="en-US" sz="1900" dirty="0">
+              <a:rPr lang="en-US" sz="1600" dirty="0">
                 <a:solidFill>
                   <a:srgbClr val="FF0000"/>
                 </a:solidFill>
@@ -23702,7 +23976,7 @@
               <a:t>-netconf-</a:t>
             </a:r>
             <a:r>
-              <a:rPr lang="en-US" sz="1900" dirty="0" err="1">
+              <a:rPr lang="en-US" sz="1600" dirty="0" err="1">
                 <a:solidFill>
                   <a:srgbClr val="FF0000"/>
                 </a:solidFill>
@@ -23710,7 +23984,7 @@
               <a:t>notif</a:t>
             </a:r>
             <a:r>
-              <a:rPr lang="en-US" sz="1900" dirty="0">
+              <a:rPr lang="en-US" sz="1600" dirty="0">
                 <a:solidFill>
                   <a:srgbClr val="FF0000"/>
                 </a:solidFill>
@@ -23718,7 +23992,7 @@
               <a:t>-sequencing, draft-</a:t>
             </a:r>
             <a:r>
-              <a:rPr lang="en-US" sz="1900" dirty="0" err="1">
+              <a:rPr lang="en-US" sz="1600" dirty="0" err="1">
                 <a:solidFill>
                   <a:srgbClr val="FF0000"/>
                 </a:solidFill>
@@ -23726,7 +24000,7 @@
               <a:t>tgraf</a:t>
             </a:r>
             <a:r>
-              <a:rPr lang="en-US" sz="1900" dirty="0">
+              <a:rPr lang="en-US" sz="1600" dirty="0">
                 <a:solidFill>
                   <a:srgbClr val="FF0000"/>
                 </a:solidFill>
@@ -23734,7 +24008,7 @@
               <a:t>-yang-push-observation-time and draft-</a:t>
             </a:r>
             <a:r>
-              <a:rPr lang="en-US" sz="1900" dirty="0" err="1">
+              <a:rPr lang="en-US" sz="1600" dirty="0" err="1">
                 <a:solidFill>
                   <a:srgbClr val="FF0000"/>
                 </a:solidFill>
@@ -23742,7 +24016,7 @@
               <a:t>tgraf</a:t>
             </a:r>
             <a:r>
-              <a:rPr lang="en-US" sz="1900" dirty="0">
+              <a:rPr lang="en-US" sz="1600" dirty="0">
                 <a:solidFill>
                   <a:srgbClr val="FF0000"/>
                 </a:solidFill>
@@ -23750,7 +24024,7 @@
               <a:t>-netconf-yang-notifications-versioning</a:t>
             </a:r>
             <a:r>
-              <a:rPr lang="en-US" sz="1900" dirty="0"/>
+              <a:rPr lang="en-US" sz="1600" dirty="0"/>
               <a:t> addresses this.</a:t>
             </a:r>
           </a:p>

--- a/ietf116-iepg-yang-push-data-mesh-integration.pptx
+++ b/ietf116-iepg-yang-push-data-mesh-integration.pptx
@@ -1853,7 +1853,7 @@
           <a:p>
             <a:fld id="{E5E705E9-673F-4AC4-B29E-A7B26F3B8523}" type="datetimeFigureOut">
               <a:rPr lang="de-CH" smtClean="0"/>
-              <a:t>19.03.2023</a:t>
+              <a:t>20.03.2023</a:t>
             </a:fld>
             <a:endParaRPr lang="de-CH"/>
           </a:p>
@@ -2443,7 +2443,7 @@
           <a:p>
             <a:fld id="{9E9B238C-2335-4007-98C9-471C02CC43B6}" type="datetimeFigureOut">
               <a:rPr lang="de-CH" smtClean="0"/>
-              <a:t>19.03.2023</a:t>
+              <a:t>20.03.2023</a:t>
             </a:fld>
             <a:endParaRPr lang="de-CH"/>
           </a:p>
@@ -2643,7 +2643,7 @@
           <a:p>
             <a:fld id="{9E9B238C-2335-4007-98C9-471C02CC43B6}" type="datetimeFigureOut">
               <a:rPr lang="de-CH" smtClean="0"/>
-              <a:t>19.03.2023</a:t>
+              <a:t>20.03.2023</a:t>
             </a:fld>
             <a:endParaRPr lang="de-CH"/>
           </a:p>
@@ -2853,7 +2853,7 @@
           <a:p>
             <a:fld id="{9E9B238C-2335-4007-98C9-471C02CC43B6}" type="datetimeFigureOut">
               <a:rPr lang="de-CH" smtClean="0"/>
-              <a:t>19.03.2023</a:t>
+              <a:t>20.03.2023</a:t>
             </a:fld>
             <a:endParaRPr lang="de-CH"/>
           </a:p>
@@ -4295,7 +4295,7 @@
           <a:p>
             <a:fld id="{9E9B238C-2335-4007-98C9-471C02CC43B6}" type="datetimeFigureOut">
               <a:rPr lang="de-CH" smtClean="0"/>
-              <a:t>19.03.2023</a:t>
+              <a:t>20.03.2023</a:t>
             </a:fld>
             <a:endParaRPr lang="de-CH"/>
           </a:p>
@@ -4571,7 +4571,7 @@
           <a:p>
             <a:fld id="{9E9B238C-2335-4007-98C9-471C02CC43B6}" type="datetimeFigureOut">
               <a:rPr lang="de-CH" smtClean="0"/>
-              <a:t>19.03.2023</a:t>
+              <a:t>20.03.2023</a:t>
             </a:fld>
             <a:endParaRPr lang="de-CH"/>
           </a:p>
@@ -4839,7 +4839,7 @@
           <a:p>
             <a:fld id="{9E9B238C-2335-4007-98C9-471C02CC43B6}" type="datetimeFigureOut">
               <a:rPr lang="de-CH" smtClean="0"/>
-              <a:t>19.03.2023</a:t>
+              <a:t>20.03.2023</a:t>
             </a:fld>
             <a:endParaRPr lang="de-CH"/>
           </a:p>
@@ -5254,7 +5254,7 @@
           <a:p>
             <a:fld id="{9E9B238C-2335-4007-98C9-471C02CC43B6}" type="datetimeFigureOut">
               <a:rPr lang="de-CH" smtClean="0"/>
-              <a:t>19.03.2023</a:t>
+              <a:t>20.03.2023</a:t>
             </a:fld>
             <a:endParaRPr lang="de-CH"/>
           </a:p>
@@ -5396,7 +5396,7 @@
           <a:p>
             <a:fld id="{9E9B238C-2335-4007-98C9-471C02CC43B6}" type="datetimeFigureOut">
               <a:rPr lang="de-CH" smtClean="0"/>
-              <a:t>19.03.2023</a:t>
+              <a:t>20.03.2023</a:t>
             </a:fld>
             <a:endParaRPr lang="de-CH"/>
           </a:p>
@@ -5509,7 +5509,7 @@
           <a:p>
             <a:fld id="{9E9B238C-2335-4007-98C9-471C02CC43B6}" type="datetimeFigureOut">
               <a:rPr lang="de-CH" smtClean="0"/>
-              <a:t>19.03.2023</a:t>
+              <a:t>20.03.2023</a:t>
             </a:fld>
             <a:endParaRPr lang="de-CH"/>
           </a:p>
@@ -5822,7 +5822,7 @@
           <a:p>
             <a:fld id="{9E9B238C-2335-4007-98C9-471C02CC43B6}" type="datetimeFigureOut">
               <a:rPr lang="de-CH" smtClean="0"/>
-              <a:t>19.03.2023</a:t>
+              <a:t>20.03.2023</a:t>
             </a:fld>
             <a:endParaRPr lang="de-CH"/>
           </a:p>
@@ -6111,7 +6111,7 @@
           <a:p>
             <a:fld id="{9E9B238C-2335-4007-98C9-471C02CC43B6}" type="datetimeFigureOut">
               <a:rPr lang="de-CH" smtClean="0"/>
-              <a:t>19.03.2023</a:t>
+              <a:t>20.03.2023</a:t>
             </a:fld>
             <a:endParaRPr lang="de-CH"/>
           </a:p>
@@ -6354,7 +6354,7 @@
           <a:p>
             <a:fld id="{9E9B238C-2335-4007-98C9-471C02CC43B6}" type="datetimeFigureOut">
               <a:rPr lang="de-CH" smtClean="0"/>
-              <a:t>19.03.2023</a:t>
+              <a:t>20.03.2023</a:t>
             </a:fld>
             <a:endParaRPr lang="de-CH"/>
           </a:p>
@@ -7575,7 +7575,7 @@
                   <a:srgbClr val="FF0000"/>
                 </a:solidFill>
               </a:rPr>
-              <a:t>-netconf-</a:t>
+              <a:t>-</a:t>
             </a:r>
             <a:r>
               <a:rPr lang="en-US" sz="1800" b="1" dirty="0" err="1">
@@ -7583,7 +7583,7 @@
                   <a:srgbClr val="FF0000"/>
                 </a:solidFill>
               </a:rPr>
-              <a:t>notif</a:t>
+              <a:t>netconf</a:t>
             </a:r>
             <a:r>
               <a:rPr lang="en-US" sz="1800" b="1" dirty="0">
@@ -7591,16 +7591,151 @@
                   <a:srgbClr val="FF0000"/>
                 </a:solidFill>
               </a:rPr>
+              <a:t>-</a:t>
+            </a:r>
+            <a:r>
+              <a:rPr lang="en-US" sz="1800" b="1" dirty="0" err="1">
+                <a:solidFill>
+                  <a:srgbClr val="FF0000"/>
+                </a:solidFill>
+              </a:rPr>
+              <a:t>notif</a:t>
+            </a:r>
+            <a:r>
+              <a:rPr lang="en-US" sz="1800" b="1" dirty="0">
+                <a:solidFill>
+                  <a:srgbClr val="FF0000"/>
+                </a:solidFill>
+              </a:rPr>
               <a:t>-yang</a:t>
             </a:r>
             <a:r>
               <a:rPr lang="en-US" sz="1800" dirty="0"/>
-              <a:t> the schema is also defined as a YANG module. </a:t>
+              <a:t> updates RFC 5277 by defining the schema as a YANG module. </a:t>
+            </a:r>
+          </a:p>
+          <a:p>
+            <a:r>
+              <a:rPr lang="de-CH" sz="1800" b="1" dirty="0">
+                <a:effectLst/>
+                <a:latin typeface="Calibri" panose="020F0502020204030204" pitchFamily="34" charset="0"/>
+                <a:ea typeface="Times New Roman" panose="02020603050405020304" pitchFamily="18" charset="0"/>
+              </a:rPr>
+              <a:t>This </a:t>
+            </a:r>
+            <a:r>
+              <a:rPr lang="de-CH" sz="1800" b="1" dirty="0" err="1">
+                <a:effectLst/>
+                <a:latin typeface="Calibri" panose="020F0502020204030204" pitchFamily="34" charset="0"/>
+                <a:ea typeface="Times New Roman" panose="02020603050405020304" pitchFamily="18" charset="0"/>
+              </a:rPr>
+              <a:t>enables</a:t>
+            </a:r>
+            <a:r>
+              <a:rPr lang="de-CH" sz="1800" b="1" dirty="0">
+                <a:effectLst/>
+                <a:latin typeface="Calibri" panose="020F0502020204030204" pitchFamily="34" charset="0"/>
+                <a:ea typeface="Times New Roman" panose="02020603050405020304" pitchFamily="18" charset="0"/>
+              </a:rPr>
+              <a:t> YANG-push </a:t>
             </a:r>
             <a:r>
               <a:rPr lang="en-US" sz="1800" b="1" dirty="0"/>
-              <a:t>Enabling now to define semantics for the entire YANG push message.</a:t>
-            </a:r>
+              <a:t>to define semantics for the entire YANG push message</a:t>
+            </a:r>
+            <a:r>
+              <a:rPr lang="de-CH" sz="1800" b="1" dirty="0"/>
+              <a:t> and </a:t>
+            </a:r>
+            <a:r>
+              <a:rPr lang="de-CH" sz="1800" b="1" dirty="0">
+                <a:effectLst/>
+                <a:latin typeface="Calibri" panose="020F0502020204030204" pitchFamily="34" charset="0"/>
+                <a:ea typeface="Times New Roman" panose="02020603050405020304" pitchFamily="18" charset="0"/>
+              </a:rPr>
+              <a:t>use </a:t>
+            </a:r>
+            <a:r>
+              <a:rPr lang="de-CH" sz="1800" b="1" dirty="0" err="1">
+                <a:effectLst/>
+                <a:latin typeface="Calibri" panose="020F0502020204030204" pitchFamily="34" charset="0"/>
+                <a:ea typeface="Times New Roman" panose="02020603050405020304" pitchFamily="18" charset="0"/>
+              </a:rPr>
+              <a:t>other</a:t>
+            </a:r>
+            <a:r>
+              <a:rPr lang="de-CH" sz="1800" b="1" dirty="0">
+                <a:effectLst/>
+                <a:latin typeface="Calibri" panose="020F0502020204030204" pitchFamily="34" charset="0"/>
+                <a:ea typeface="Times New Roman" panose="02020603050405020304" pitchFamily="18" charset="0"/>
+              </a:rPr>
+              <a:t> </a:t>
+            </a:r>
+            <a:r>
+              <a:rPr lang="de-CH" sz="1800" b="1" dirty="0" err="1">
+                <a:effectLst/>
+                <a:latin typeface="Calibri" panose="020F0502020204030204" pitchFamily="34" charset="0"/>
+                <a:ea typeface="Times New Roman" panose="02020603050405020304" pitchFamily="18" charset="0"/>
+              </a:rPr>
+              <a:t>encodings</a:t>
+            </a:r>
+            <a:r>
+              <a:rPr lang="de-CH" sz="1800" b="1" dirty="0">
+                <a:effectLst/>
+                <a:latin typeface="Calibri" panose="020F0502020204030204" pitchFamily="34" charset="0"/>
+                <a:ea typeface="Times New Roman" panose="02020603050405020304" pitchFamily="18" charset="0"/>
+              </a:rPr>
+              <a:t> </a:t>
+            </a:r>
+            <a:r>
+              <a:rPr lang="de-CH" sz="1800" dirty="0" err="1">
+                <a:effectLst/>
+                <a:latin typeface="Calibri" panose="020F0502020204030204" pitchFamily="34" charset="0"/>
+                <a:ea typeface="Times New Roman" panose="02020603050405020304" pitchFamily="18" charset="0"/>
+              </a:rPr>
+              <a:t>than</a:t>
+            </a:r>
+            <a:r>
+              <a:rPr lang="de-CH" sz="1800" dirty="0">
+                <a:effectLst/>
+                <a:latin typeface="Calibri" panose="020F0502020204030204" pitchFamily="34" charset="0"/>
+                <a:ea typeface="Times New Roman" panose="02020603050405020304" pitchFamily="18" charset="0"/>
+              </a:rPr>
+              <a:t> XML such </a:t>
+            </a:r>
+            <a:r>
+              <a:rPr lang="de-CH" sz="1800" dirty="0" err="1">
+                <a:effectLst/>
+                <a:latin typeface="Calibri" panose="020F0502020204030204" pitchFamily="34" charset="0"/>
+                <a:ea typeface="Times New Roman" panose="02020603050405020304" pitchFamily="18" charset="0"/>
+              </a:rPr>
+              <a:t>as</a:t>
+            </a:r>
+            <a:r>
+              <a:rPr lang="de-CH" sz="1800" dirty="0">
+                <a:effectLst/>
+                <a:latin typeface="Calibri" panose="020F0502020204030204" pitchFamily="34" charset="0"/>
+                <a:ea typeface="Times New Roman" panose="02020603050405020304" pitchFamily="18" charset="0"/>
+              </a:rPr>
+              <a:t> YANG-JSON RFC 7951 </a:t>
+            </a:r>
+            <a:r>
+              <a:rPr lang="de-CH" sz="1800" dirty="0" err="1">
+                <a:effectLst/>
+                <a:latin typeface="Calibri" panose="020F0502020204030204" pitchFamily="34" charset="0"/>
+                <a:ea typeface="Times New Roman" panose="02020603050405020304" pitchFamily="18" charset="0"/>
+              </a:rPr>
+              <a:t>or</a:t>
+            </a:r>
+            <a:r>
+              <a:rPr lang="de-CH" sz="1800">
+                <a:effectLst/>
+                <a:latin typeface="Calibri" panose="020F0502020204030204" pitchFamily="34" charset="0"/>
+                <a:ea typeface="Times New Roman" panose="02020603050405020304" pitchFamily="18" charset="0"/>
+              </a:rPr>
+              <a:t> YANG-CBOR RFC 9264.</a:t>
+            </a:r>
+            <a:endParaRPr lang="en-US" sz="1800" b="1" dirty="0"/>
           </a:p>
         </p:txBody>
       </p:sp>
@@ -17521,7 +17656,7 @@
           <p:nvPr>
             <p:extLst>
               <p:ext uri="{D42A27DB-BD31-4B8C-83A1-F6EECF244321}">
-                <p14:modId xmlns:p14="http://schemas.microsoft.com/office/powerpoint/2010/main" val="4095072006"/>
+                <p14:modId xmlns:p14="http://schemas.microsoft.com/office/powerpoint/2010/main" val="1188494384"/>
               </p:ext>
             </p:extLst>
           </p:nvPr>
@@ -17721,7 +17856,7 @@
                     <a:p>
                       <a:r>
                         <a:rPr lang="en-US" sz="1600" noProof="0" dirty="0"/>
-                        <a:t>JSON and XML in RFC8040, CBOR in RFC9254</a:t>
+                        <a:t>XML in RFC7950, JSON in RFC7951, CBOR in RFC9254</a:t>
                       </a:r>
                     </a:p>
                   </a:txBody>

--- a/ietf116-iepg-yang-push-data-mesh-integration.pptx
+++ b/ietf116-iepg-yang-push-data-mesh-integration.pptx
@@ -127,14 +127,6 @@
     </p:ext>
   </p:extLst>
 </p:presentation>
-</file>
-
-<file path=ppt/revisionInfo.xml><?xml version="1.0" encoding="utf-8"?>
-<p1510:revInfo xmlns:a="http://schemas.openxmlformats.org/drawingml/2006/main" xmlns:r="http://schemas.openxmlformats.org/officeDocument/2006/relationships" xmlns:p1510="http://schemas.microsoft.com/office/powerpoint/2015/10/main">
-  <p1510:revLst>
-    <p1510:client id="{09A627D1-69A9-49B0-BB16-E2155A816E4A}" v="50" dt="2022-11-05T20:43:33.022"/>
-  </p1510:revLst>
-</p1510:revInfo>
 </file>
 
 <file path=ppt/changesInfos/changesInfo1.xml><?xml version="1.0" encoding="utf-8"?>
@@ -1768,6 +1760,30 @@
       </pc:sldChg>
     </pc:docChg>
   </pc:docChgLst>
+  <pc:docChgLst>
+    <pc:chgData name="Graf Thomas, INI-NET-VNC-HCS" userId="487bc3e3-9ce7-4cdd-b7b4-8899ea88d289" providerId="ADAL" clId="{B85BB025-7FD4-4CDD-9546-FE0DE5B148FA}"/>
+    <pc:docChg chg="modSld">
+      <pc:chgData name="Graf Thomas, INI-NET-VNC-HCS" userId="487bc3e3-9ce7-4cdd-b7b4-8899ea88d289" providerId="ADAL" clId="{B85BB025-7FD4-4CDD-9546-FE0DE5B148FA}" dt="2023-03-21T13:29:33.960" v="0" actId="20577"/>
+      <pc:docMkLst>
+        <pc:docMk/>
+      </pc:docMkLst>
+      <pc:sldChg chg="modSp mod">
+        <pc:chgData name="Graf Thomas, INI-NET-VNC-HCS" userId="487bc3e3-9ce7-4cdd-b7b4-8899ea88d289" providerId="ADAL" clId="{B85BB025-7FD4-4CDD-9546-FE0DE5B148FA}" dt="2023-03-21T13:29:33.960" v="0" actId="20577"/>
+        <pc:sldMkLst>
+          <pc:docMk/>
+          <pc:sldMk cId="3241116723" sldId="2145706200"/>
+        </pc:sldMkLst>
+        <pc:spChg chg="mod">
+          <ac:chgData name="Graf Thomas, INI-NET-VNC-HCS" userId="487bc3e3-9ce7-4cdd-b7b4-8899ea88d289" providerId="ADAL" clId="{B85BB025-7FD4-4CDD-9546-FE0DE5B148FA}" dt="2023-03-21T13:29:33.960" v="0" actId="20577"/>
+          <ac:spMkLst>
+            <pc:docMk/>
+            <pc:sldMk cId="3241116723" sldId="2145706200"/>
+            <ac:spMk id="4" creationId="{D81DEC37-A600-4F6C-AE22-C81D97BEC259}"/>
+          </ac:spMkLst>
+        </pc:spChg>
+      </pc:sldChg>
+    </pc:docChg>
+  </pc:docChgLst>
 </pc:chgInfo>
 </file>
 
@@ -1853,7 +1869,7 @@
           <a:p>
             <a:fld id="{E5E705E9-673F-4AC4-B29E-A7B26F3B8523}" type="datetimeFigureOut">
               <a:rPr lang="de-CH" smtClean="0"/>
-              <a:t>20.03.2023</a:t>
+              <a:t>21.03.2023</a:t>
             </a:fld>
             <a:endParaRPr lang="de-CH"/>
           </a:p>
@@ -2443,7 +2459,7 @@
           <a:p>
             <a:fld id="{9E9B238C-2335-4007-98C9-471C02CC43B6}" type="datetimeFigureOut">
               <a:rPr lang="de-CH" smtClean="0"/>
-              <a:t>20.03.2023</a:t>
+              <a:t>21.03.2023</a:t>
             </a:fld>
             <a:endParaRPr lang="de-CH"/>
           </a:p>
@@ -2643,7 +2659,7 @@
           <a:p>
             <a:fld id="{9E9B238C-2335-4007-98C9-471C02CC43B6}" type="datetimeFigureOut">
               <a:rPr lang="de-CH" smtClean="0"/>
-              <a:t>20.03.2023</a:t>
+              <a:t>21.03.2023</a:t>
             </a:fld>
             <a:endParaRPr lang="de-CH"/>
           </a:p>
@@ -2853,7 +2869,7 @@
           <a:p>
             <a:fld id="{9E9B238C-2335-4007-98C9-471C02CC43B6}" type="datetimeFigureOut">
               <a:rPr lang="de-CH" smtClean="0"/>
-              <a:t>20.03.2023</a:t>
+              <a:t>21.03.2023</a:t>
             </a:fld>
             <a:endParaRPr lang="de-CH"/>
           </a:p>
@@ -4295,7 +4311,7 @@
           <a:p>
             <a:fld id="{9E9B238C-2335-4007-98C9-471C02CC43B6}" type="datetimeFigureOut">
               <a:rPr lang="de-CH" smtClean="0"/>
-              <a:t>20.03.2023</a:t>
+              <a:t>21.03.2023</a:t>
             </a:fld>
             <a:endParaRPr lang="de-CH"/>
           </a:p>
@@ -4571,7 +4587,7 @@
           <a:p>
             <a:fld id="{9E9B238C-2335-4007-98C9-471C02CC43B6}" type="datetimeFigureOut">
               <a:rPr lang="de-CH" smtClean="0"/>
-              <a:t>20.03.2023</a:t>
+              <a:t>21.03.2023</a:t>
             </a:fld>
             <a:endParaRPr lang="de-CH"/>
           </a:p>
@@ -4839,7 +4855,7 @@
           <a:p>
             <a:fld id="{9E9B238C-2335-4007-98C9-471C02CC43B6}" type="datetimeFigureOut">
               <a:rPr lang="de-CH" smtClean="0"/>
-              <a:t>20.03.2023</a:t>
+              <a:t>21.03.2023</a:t>
             </a:fld>
             <a:endParaRPr lang="de-CH"/>
           </a:p>
@@ -5254,7 +5270,7 @@
           <a:p>
             <a:fld id="{9E9B238C-2335-4007-98C9-471C02CC43B6}" type="datetimeFigureOut">
               <a:rPr lang="de-CH" smtClean="0"/>
-              <a:t>20.03.2023</a:t>
+              <a:t>21.03.2023</a:t>
             </a:fld>
             <a:endParaRPr lang="de-CH"/>
           </a:p>
@@ -5396,7 +5412,7 @@
           <a:p>
             <a:fld id="{9E9B238C-2335-4007-98C9-471C02CC43B6}" type="datetimeFigureOut">
               <a:rPr lang="de-CH" smtClean="0"/>
-              <a:t>20.03.2023</a:t>
+              <a:t>21.03.2023</a:t>
             </a:fld>
             <a:endParaRPr lang="de-CH"/>
           </a:p>
@@ -5509,7 +5525,7 @@
           <a:p>
             <a:fld id="{9E9B238C-2335-4007-98C9-471C02CC43B6}" type="datetimeFigureOut">
               <a:rPr lang="de-CH" smtClean="0"/>
-              <a:t>20.03.2023</a:t>
+              <a:t>21.03.2023</a:t>
             </a:fld>
             <a:endParaRPr lang="de-CH"/>
           </a:p>
@@ -5822,7 +5838,7 @@
           <a:p>
             <a:fld id="{9E9B238C-2335-4007-98C9-471C02CC43B6}" type="datetimeFigureOut">
               <a:rPr lang="de-CH" smtClean="0"/>
-              <a:t>20.03.2023</a:t>
+              <a:t>21.03.2023</a:t>
             </a:fld>
             <a:endParaRPr lang="de-CH"/>
           </a:p>
@@ -6111,7 +6127,7 @@
           <a:p>
             <a:fld id="{9E9B238C-2335-4007-98C9-471C02CC43B6}" type="datetimeFigureOut">
               <a:rPr lang="de-CH" smtClean="0"/>
-              <a:t>20.03.2023</a:t>
+              <a:t>21.03.2023</a:t>
             </a:fld>
             <a:endParaRPr lang="de-CH"/>
           </a:p>
@@ -6354,7 +6370,7 @@
           <a:p>
             <a:fld id="{9E9B238C-2335-4007-98C9-471C02CC43B6}" type="datetimeFigureOut">
               <a:rPr lang="de-CH" smtClean="0"/>
-              <a:t>20.03.2023</a:t>
+              <a:t>21.03.2023</a:t>
             </a:fld>
             <a:endParaRPr lang="de-CH"/>
           </a:p>
@@ -13685,11 +13701,19 @@
             </a:pPr>
             <a:r>
               <a:rPr lang="en-US" sz="1800" b="1" dirty="0"/>
-              <a:t>A single link down </a:t>
+              <a:t>A single link </a:t>
+            </a:r>
+            <a:r>
+              <a:rPr lang="en-US" sz="1800" b="1"/>
+              <a:t>down </a:t>
+            </a:r>
+            <a:r>
+              <a:rPr lang="en-US" sz="1800"/>
+              <a:t>results </a:t>
             </a:r>
             <a:r>
               <a:rPr lang="en-US" sz="1800" dirty="0"/>
-              <a:t>result in multiple device topology, control-plane and forwarding-plane events being exposed at different times.</a:t>
+              <a:t>in multiple device topology, control-plane and forwarding-plane events being exposed at different times.</a:t>
             </a:r>
           </a:p>
           <a:p>
